--- a/PPTs/Ramadhan Daily Aamaal.pptx
+++ b/PPTs/Ramadhan Daily Aamaal.pptx
@@ -948,7 +948,7 @@
               <a:pPr>
                 <a:defRPr/>
               </a:pPr>
-              <a:t>3/31/2024</a:t>
+              <a:t>5/23/2024</a:t>
             </a:fld>
             <a:endParaRPr lang="en-US"/>
           </a:p>
@@ -5580,41 +5580,7 @@
                 <a:ea typeface="Calibri Light" panose="020F0302020204030204" pitchFamily="34" charset="0"/>
                 <a:cs typeface="Calibri Light" panose="020F0302020204030204" pitchFamily="34" charset="0"/>
               </a:rPr>
-              <a:t>And We desired to show </a:t>
-            </a:r>
-            <a:r>
-              <a:rPr kumimoji="0" lang="en-US" sz="1400" b="0" i="1" u="none" strike="noStrike" kern="1200" cap="none" spc="0" normalizeH="0" baseline="0" noProof="0" dirty="0" err="1">
-                <a:ln>
-                  <a:noFill/>
-                </a:ln>
-                <a:solidFill>
-                  <a:srgbClr val="127274"/>
-                </a:solidFill>
-                <a:effectLst/>
-                <a:uLnTx/>
-                <a:uFillTx/>
-                <a:latin typeface="Calibri Light" panose="020F0302020204030204" pitchFamily="34" charset="0"/>
-                <a:ea typeface="Calibri Light" panose="020F0302020204030204" pitchFamily="34" charset="0"/>
-                <a:cs typeface="Calibri Light" panose="020F0302020204030204" pitchFamily="34" charset="0"/>
-              </a:rPr>
-              <a:t>favour</a:t>
-            </a:r>
-            <a:r>
-              <a:rPr kumimoji="0" lang="en-US" sz="1400" b="0" i="1" u="none" strike="noStrike" kern="1200" cap="none" spc="0" normalizeH="0" baseline="0" noProof="0" dirty="0">
-                <a:ln>
-                  <a:noFill/>
-                </a:ln>
-                <a:solidFill>
-                  <a:srgbClr val="127274"/>
-                </a:solidFill>
-                <a:effectLst/>
-                <a:uLnTx/>
-                <a:uFillTx/>
-                <a:latin typeface="Calibri Light" panose="020F0302020204030204" pitchFamily="34" charset="0"/>
-                <a:ea typeface="Calibri Light" panose="020F0302020204030204" pitchFamily="34" charset="0"/>
-                <a:cs typeface="Calibri Light" panose="020F0302020204030204" pitchFamily="34" charset="0"/>
-              </a:rPr>
-              <a:t> upon those who were abased in the land, </a:t>
+              <a:t>And We desired to show favor upon those who were abased in the land, </a:t>
             </a:r>
           </a:p>
           <a:p>
@@ -5720,7 +5686,7 @@
                 <a:ea typeface="Calibri Light" panose="020F0302020204030204" pitchFamily="34" charset="0"/>
                 <a:cs typeface="Calibri Light" panose="020F0302020204030204" pitchFamily="34" charset="0"/>
               </a:rPr>
-              <a:t> : 5)</a:t>
+              <a:t>: 5)</a:t>
             </a:r>
             <a:endParaRPr kumimoji="0" lang="en-CA" sz="1200" b="0" i="1" u="none" strike="noStrike" kern="1200" cap="none" spc="0" normalizeH="0" baseline="0" noProof="0" dirty="0">
               <a:ln>
@@ -6000,11 +5966,11 @@
   <p:clrMapOvr>
     <a:masterClrMapping/>
   </p:clrMapOvr>
-  <mc:AlternateContent xmlns:mc="http://schemas.openxmlformats.org/markup-compatibility/2006">
-    <mc:Choice xmlns:p14="http://schemas.microsoft.com/office/powerpoint/2010/main" Requires="p14">
+  <mc:AlternateContent xmlns:mc="http://schemas.openxmlformats.org/markup-compatibility/2006" xmlns:p14="http://schemas.microsoft.com/office/powerpoint/2010/main">
+    <mc:Choice Requires="p14">
       <p:transition p14:dur="10"/>
     </mc:Choice>
-    <mc:Fallback>
+    <mc:Fallback xmlns="">
       <p:transition/>
     </mc:Fallback>
   </mc:AlternateContent>
@@ -12573,41 +12539,7 @@
                 <a:ea typeface="Calibri Light" panose="020F0302020204030204" pitchFamily="34" charset="0"/>
                 <a:cs typeface="Calibri Light" panose="020F0302020204030204" pitchFamily="34" charset="0"/>
               </a:rPr>
-              <a:t>And We desired to show </a:t>
-            </a:r>
-            <a:r>
-              <a:rPr kumimoji="0" lang="en-US" sz="1400" b="0" i="1" u="none" strike="noStrike" kern="1200" cap="none" spc="0" normalizeH="0" baseline="0" noProof="0" dirty="0" err="1">
-                <a:ln>
-                  <a:noFill/>
-                </a:ln>
-                <a:solidFill>
-                  <a:srgbClr val="127274"/>
-                </a:solidFill>
-                <a:effectLst/>
-                <a:uLnTx/>
-                <a:uFillTx/>
-                <a:latin typeface="Calibri Light" panose="020F0302020204030204" pitchFamily="34" charset="0"/>
-                <a:ea typeface="Calibri Light" panose="020F0302020204030204" pitchFamily="34" charset="0"/>
-                <a:cs typeface="Calibri Light" panose="020F0302020204030204" pitchFamily="34" charset="0"/>
-              </a:rPr>
-              <a:t>favour</a:t>
-            </a:r>
-            <a:r>
-              <a:rPr kumimoji="0" lang="en-US" sz="1400" b="0" i="1" u="none" strike="noStrike" kern="1200" cap="none" spc="0" normalizeH="0" baseline="0" noProof="0" dirty="0">
-                <a:ln>
-                  <a:noFill/>
-                </a:ln>
-                <a:solidFill>
-                  <a:srgbClr val="127274"/>
-                </a:solidFill>
-                <a:effectLst/>
-                <a:uLnTx/>
-                <a:uFillTx/>
-                <a:latin typeface="Calibri Light" panose="020F0302020204030204" pitchFamily="34" charset="0"/>
-                <a:ea typeface="Calibri Light" panose="020F0302020204030204" pitchFamily="34" charset="0"/>
-                <a:cs typeface="Calibri Light" panose="020F0302020204030204" pitchFamily="34" charset="0"/>
-              </a:rPr>
-              <a:t> upon those who were abased in the land, </a:t>
+              <a:t>And We desired to show favor upon those who were abased in the land, </a:t>
             </a:r>
           </a:p>
           <a:p>
@@ -12713,7 +12645,7 @@
                 <a:ea typeface="Calibri Light" panose="020F0302020204030204" pitchFamily="34" charset="0"/>
                 <a:cs typeface="Calibri Light" panose="020F0302020204030204" pitchFamily="34" charset="0"/>
               </a:rPr>
-              <a:t> : 5)</a:t>
+              <a:t>: 5)</a:t>
             </a:r>
             <a:endParaRPr kumimoji="0" lang="en-CA" sz="1200" b="0" i="1" u="none" strike="noStrike" kern="1200" cap="none" spc="0" normalizeH="0" baseline="0" noProof="0" dirty="0">
               <a:ln>
@@ -19560,41 +19492,7 @@
                 <a:ea typeface="Calibri Light" panose="020F0302020204030204" pitchFamily="34" charset="0"/>
                 <a:cs typeface="Calibri Light" panose="020F0302020204030204" pitchFamily="34" charset="0"/>
               </a:rPr>
-              <a:t>And We desired to show </a:t>
-            </a:r>
-            <a:r>
-              <a:rPr kumimoji="0" lang="en-US" sz="1400" b="0" i="1" u="none" strike="noStrike" kern="1200" cap="none" spc="0" normalizeH="0" baseline="0" noProof="0" dirty="0" err="1">
-                <a:ln>
-                  <a:noFill/>
-                </a:ln>
-                <a:solidFill>
-                  <a:srgbClr val="127274"/>
-                </a:solidFill>
-                <a:effectLst/>
-                <a:uLnTx/>
-                <a:uFillTx/>
-                <a:latin typeface="Calibri Light" panose="020F0302020204030204" pitchFamily="34" charset="0"/>
-                <a:ea typeface="Calibri Light" panose="020F0302020204030204" pitchFamily="34" charset="0"/>
-                <a:cs typeface="Calibri Light" panose="020F0302020204030204" pitchFamily="34" charset="0"/>
-              </a:rPr>
-              <a:t>favour</a:t>
-            </a:r>
-            <a:r>
-              <a:rPr kumimoji="0" lang="en-US" sz="1400" b="0" i="1" u="none" strike="noStrike" kern="1200" cap="none" spc="0" normalizeH="0" baseline="0" noProof="0" dirty="0">
-                <a:ln>
-                  <a:noFill/>
-                </a:ln>
-                <a:solidFill>
-                  <a:srgbClr val="127274"/>
-                </a:solidFill>
-                <a:effectLst/>
-                <a:uLnTx/>
-                <a:uFillTx/>
-                <a:latin typeface="Calibri Light" panose="020F0302020204030204" pitchFamily="34" charset="0"/>
-                <a:ea typeface="Calibri Light" panose="020F0302020204030204" pitchFamily="34" charset="0"/>
-                <a:cs typeface="Calibri Light" panose="020F0302020204030204" pitchFamily="34" charset="0"/>
-              </a:rPr>
-              <a:t> upon those who were abased in the land, </a:t>
+              <a:t>And We desired to show favor upon those who were abased in the land, </a:t>
             </a:r>
           </a:p>
           <a:p>
@@ -19700,7 +19598,7 @@
                 <a:ea typeface="Calibri Light" panose="020F0302020204030204" pitchFamily="34" charset="0"/>
                 <a:cs typeface="Calibri Light" panose="020F0302020204030204" pitchFamily="34" charset="0"/>
               </a:rPr>
-              <a:t> : 5)</a:t>
+              <a:t>: 5)</a:t>
             </a:r>
             <a:endParaRPr kumimoji="0" lang="en-CA" sz="1200" b="0" i="1" u="none" strike="noStrike" kern="1200" cap="none" spc="0" normalizeH="0" baseline="0" noProof="0" dirty="0">
               <a:ln>
@@ -24432,41 +24330,7 @@
                 <a:ea typeface="Calibri Light" panose="020F0302020204030204" pitchFamily="34" charset="0"/>
                 <a:cs typeface="Calibri Light" panose="020F0302020204030204" pitchFamily="34" charset="0"/>
               </a:rPr>
-              <a:t>And We desired to show </a:t>
-            </a:r>
-            <a:r>
-              <a:rPr kumimoji="0" lang="en-US" sz="1400" b="0" i="1" u="none" strike="noStrike" kern="1200" cap="none" spc="0" normalizeH="0" baseline="0" noProof="0" dirty="0" err="1">
-                <a:ln>
-                  <a:noFill/>
-                </a:ln>
-                <a:solidFill>
-                  <a:srgbClr val="127274"/>
-                </a:solidFill>
-                <a:effectLst/>
-                <a:uLnTx/>
-                <a:uFillTx/>
-                <a:latin typeface="Calibri Light" panose="020F0302020204030204" pitchFamily="34" charset="0"/>
-                <a:ea typeface="Calibri Light" panose="020F0302020204030204" pitchFamily="34" charset="0"/>
-                <a:cs typeface="Calibri Light" panose="020F0302020204030204" pitchFamily="34" charset="0"/>
-              </a:rPr>
-              <a:t>favour</a:t>
-            </a:r>
-            <a:r>
-              <a:rPr kumimoji="0" lang="en-US" sz="1400" b="0" i="1" u="none" strike="noStrike" kern="1200" cap="none" spc="0" normalizeH="0" baseline="0" noProof="0" dirty="0">
-                <a:ln>
-                  <a:noFill/>
-                </a:ln>
-                <a:solidFill>
-                  <a:srgbClr val="127274"/>
-                </a:solidFill>
-                <a:effectLst/>
-                <a:uLnTx/>
-                <a:uFillTx/>
-                <a:latin typeface="Calibri Light" panose="020F0302020204030204" pitchFamily="34" charset="0"/>
-                <a:ea typeface="Calibri Light" panose="020F0302020204030204" pitchFamily="34" charset="0"/>
-                <a:cs typeface="Calibri Light" panose="020F0302020204030204" pitchFamily="34" charset="0"/>
-              </a:rPr>
-              <a:t> upon those who were abased in the land, </a:t>
+              <a:t>And We desired to show favor upon those who were abased in the land, </a:t>
             </a:r>
           </a:p>
           <a:p>
@@ -24572,7 +24436,7 @@
                 <a:ea typeface="Calibri Light" panose="020F0302020204030204" pitchFamily="34" charset="0"/>
                 <a:cs typeface="Calibri Light" panose="020F0302020204030204" pitchFamily="34" charset="0"/>
               </a:rPr>
-              <a:t> : 5)</a:t>
+              <a:t>: 5)</a:t>
             </a:r>
             <a:endParaRPr kumimoji="0" lang="en-CA" sz="1200" b="0" i="1" u="none" strike="noStrike" kern="1200" cap="none" spc="0" normalizeH="0" baseline="0" noProof="0" dirty="0">
               <a:ln>
@@ -28193,41 +28057,7 @@
                 <a:ea typeface="Calibri Light" panose="020F0302020204030204" pitchFamily="34" charset="0"/>
                 <a:cs typeface="Calibri Light" panose="020F0302020204030204" pitchFamily="34" charset="0"/>
               </a:rPr>
-              <a:t>And We desired to show </a:t>
-            </a:r>
-            <a:r>
-              <a:rPr kumimoji="0" lang="en-US" sz="1400" b="0" i="1" u="none" strike="noStrike" kern="1200" cap="none" spc="0" normalizeH="0" baseline="0" noProof="0" dirty="0" err="1">
-                <a:ln>
-                  <a:noFill/>
-                </a:ln>
-                <a:solidFill>
-                  <a:srgbClr val="127274"/>
-                </a:solidFill>
-                <a:effectLst/>
-                <a:uLnTx/>
-                <a:uFillTx/>
-                <a:latin typeface="Calibri Light" panose="020F0302020204030204" pitchFamily="34" charset="0"/>
-                <a:ea typeface="Calibri Light" panose="020F0302020204030204" pitchFamily="34" charset="0"/>
-                <a:cs typeface="Calibri Light" panose="020F0302020204030204" pitchFamily="34" charset="0"/>
-              </a:rPr>
-              <a:t>favour</a:t>
-            </a:r>
-            <a:r>
-              <a:rPr kumimoji="0" lang="en-US" sz="1400" b="0" i="1" u="none" strike="noStrike" kern="1200" cap="none" spc="0" normalizeH="0" baseline="0" noProof="0" dirty="0">
-                <a:ln>
-                  <a:noFill/>
-                </a:ln>
-                <a:solidFill>
-                  <a:srgbClr val="127274"/>
-                </a:solidFill>
-                <a:effectLst/>
-                <a:uLnTx/>
-                <a:uFillTx/>
-                <a:latin typeface="Calibri Light" panose="020F0302020204030204" pitchFamily="34" charset="0"/>
-                <a:ea typeface="Calibri Light" panose="020F0302020204030204" pitchFamily="34" charset="0"/>
-                <a:cs typeface="Calibri Light" panose="020F0302020204030204" pitchFamily="34" charset="0"/>
-              </a:rPr>
-              <a:t> upon those who were abased in the land, </a:t>
+              <a:t>And We desired to show favor upon those who were abased in the land, </a:t>
             </a:r>
           </a:p>
           <a:p>
@@ -28333,7 +28163,7 @@
                 <a:ea typeface="Calibri Light" panose="020F0302020204030204" pitchFamily="34" charset="0"/>
                 <a:cs typeface="Calibri Light" panose="020F0302020204030204" pitchFamily="34" charset="0"/>
               </a:rPr>
-              <a:t> : 5)</a:t>
+              <a:t>: 5)</a:t>
             </a:r>
             <a:endParaRPr kumimoji="0" lang="en-CA" sz="1200" b="0" i="1" u="none" strike="noStrike" kern="1200" cap="none" spc="0" normalizeH="0" baseline="0" noProof="0" dirty="0">
               <a:ln>
@@ -31554,41 +31384,7 @@
                 <a:ea typeface="Calibri Light" panose="020F0302020204030204" pitchFamily="34" charset="0"/>
                 <a:cs typeface="Calibri Light" panose="020F0302020204030204" pitchFamily="34" charset="0"/>
               </a:rPr>
-              <a:t>And We desired to show </a:t>
-            </a:r>
-            <a:r>
-              <a:rPr kumimoji="0" lang="en-US" sz="1400" b="0" i="1" u="none" strike="noStrike" kern="1200" cap="none" spc="0" normalizeH="0" baseline="0" noProof="0" dirty="0" err="1">
-                <a:ln>
-                  <a:noFill/>
-                </a:ln>
-                <a:solidFill>
-                  <a:srgbClr val="127274"/>
-                </a:solidFill>
-                <a:effectLst/>
-                <a:uLnTx/>
-                <a:uFillTx/>
-                <a:latin typeface="Calibri Light" panose="020F0302020204030204" pitchFamily="34" charset="0"/>
-                <a:ea typeface="Calibri Light" panose="020F0302020204030204" pitchFamily="34" charset="0"/>
-                <a:cs typeface="Calibri Light" panose="020F0302020204030204" pitchFamily="34" charset="0"/>
-              </a:rPr>
-              <a:t>favour</a:t>
-            </a:r>
-            <a:r>
-              <a:rPr kumimoji="0" lang="en-US" sz="1400" b="0" i="1" u="none" strike="noStrike" kern="1200" cap="none" spc="0" normalizeH="0" baseline="0" noProof="0" dirty="0">
-                <a:ln>
-                  <a:noFill/>
-                </a:ln>
-                <a:solidFill>
-                  <a:srgbClr val="127274"/>
-                </a:solidFill>
-                <a:effectLst/>
-                <a:uLnTx/>
-                <a:uFillTx/>
-                <a:latin typeface="Calibri Light" panose="020F0302020204030204" pitchFamily="34" charset="0"/>
-                <a:ea typeface="Calibri Light" panose="020F0302020204030204" pitchFamily="34" charset="0"/>
-                <a:cs typeface="Calibri Light" panose="020F0302020204030204" pitchFamily="34" charset="0"/>
-              </a:rPr>
-              <a:t> upon those who were abased in the land, </a:t>
+              <a:t>And We desired to show favor upon those who were abased in the land, </a:t>
             </a:r>
           </a:p>
           <a:p>
@@ -31694,7 +31490,7 @@
                 <a:ea typeface="Calibri Light" panose="020F0302020204030204" pitchFamily="34" charset="0"/>
                 <a:cs typeface="Calibri Light" panose="020F0302020204030204" pitchFamily="34" charset="0"/>
               </a:rPr>
-              <a:t> : 5)</a:t>
+              <a:t>: 5)</a:t>
             </a:r>
             <a:endParaRPr kumimoji="0" lang="en-CA" sz="1200" b="0" i="1" u="none" strike="noStrike" kern="1200" cap="none" spc="0" normalizeH="0" baseline="0" noProof="0" dirty="0">
               <a:ln>
@@ -35975,41 +35771,7 @@
                 <a:ea typeface="Calibri Light" panose="020F0302020204030204" pitchFamily="34" charset="0"/>
                 <a:cs typeface="Calibri Light" panose="020F0302020204030204" pitchFamily="34" charset="0"/>
               </a:rPr>
-              <a:t>And We desired to show </a:t>
-            </a:r>
-            <a:r>
-              <a:rPr kumimoji="0" lang="en-US" sz="1400" b="0" i="1" u="none" strike="noStrike" kern="1200" cap="none" spc="0" normalizeH="0" baseline="0" noProof="0" dirty="0" err="1">
-                <a:ln>
-                  <a:noFill/>
-                </a:ln>
-                <a:solidFill>
-                  <a:srgbClr val="127274"/>
-                </a:solidFill>
-                <a:effectLst/>
-                <a:uLnTx/>
-                <a:uFillTx/>
-                <a:latin typeface="Calibri Light" panose="020F0302020204030204" pitchFamily="34" charset="0"/>
-                <a:ea typeface="Calibri Light" panose="020F0302020204030204" pitchFamily="34" charset="0"/>
-                <a:cs typeface="Calibri Light" panose="020F0302020204030204" pitchFamily="34" charset="0"/>
-              </a:rPr>
-              <a:t>favour</a:t>
-            </a:r>
-            <a:r>
-              <a:rPr kumimoji="0" lang="en-US" sz="1400" b="0" i="1" u="none" strike="noStrike" kern="1200" cap="none" spc="0" normalizeH="0" baseline="0" noProof="0" dirty="0">
-                <a:ln>
-                  <a:noFill/>
-                </a:ln>
-                <a:solidFill>
-                  <a:srgbClr val="127274"/>
-                </a:solidFill>
-                <a:effectLst/>
-                <a:uLnTx/>
-                <a:uFillTx/>
-                <a:latin typeface="Calibri Light" panose="020F0302020204030204" pitchFamily="34" charset="0"/>
-                <a:ea typeface="Calibri Light" panose="020F0302020204030204" pitchFamily="34" charset="0"/>
-                <a:cs typeface="Calibri Light" panose="020F0302020204030204" pitchFamily="34" charset="0"/>
-              </a:rPr>
-              <a:t> upon those who were abased in the land, </a:t>
+              <a:t>And We desired to show favor upon those who were abased in the land, </a:t>
             </a:r>
           </a:p>
           <a:p>
@@ -36115,7 +35877,7 @@
                 <a:ea typeface="Calibri Light" panose="020F0302020204030204" pitchFamily="34" charset="0"/>
                 <a:cs typeface="Calibri Light" panose="020F0302020204030204" pitchFamily="34" charset="0"/>
               </a:rPr>
-              <a:t> : 5)</a:t>
+              <a:t>: 5)</a:t>
             </a:r>
             <a:endParaRPr kumimoji="0" lang="en-CA" sz="1200" b="0" i="1" u="none" strike="noStrike" kern="1200" cap="none" spc="0" normalizeH="0" baseline="0" noProof="0" dirty="0">
               <a:ln>
@@ -39387,41 +39149,7 @@
                 <a:ea typeface="Calibri Light" panose="020F0302020204030204" pitchFamily="34" charset="0"/>
                 <a:cs typeface="Calibri Light" panose="020F0302020204030204" pitchFamily="34" charset="0"/>
               </a:rPr>
-              <a:t>And We desired to show </a:t>
-            </a:r>
-            <a:r>
-              <a:rPr kumimoji="0" lang="en-US" sz="1400" b="0" i="1" u="none" strike="noStrike" kern="1200" cap="none" spc="0" normalizeH="0" baseline="0" noProof="0" dirty="0" err="1">
-                <a:ln>
-                  <a:noFill/>
-                </a:ln>
-                <a:solidFill>
-                  <a:srgbClr val="127274"/>
-                </a:solidFill>
-                <a:effectLst/>
-                <a:uLnTx/>
-                <a:uFillTx/>
-                <a:latin typeface="Calibri Light" panose="020F0302020204030204" pitchFamily="34" charset="0"/>
-                <a:ea typeface="Calibri Light" panose="020F0302020204030204" pitchFamily="34" charset="0"/>
-                <a:cs typeface="Calibri Light" panose="020F0302020204030204" pitchFamily="34" charset="0"/>
-              </a:rPr>
-              <a:t>favour</a:t>
-            </a:r>
-            <a:r>
-              <a:rPr kumimoji="0" lang="en-US" sz="1400" b="0" i="1" u="none" strike="noStrike" kern="1200" cap="none" spc="0" normalizeH="0" baseline="0" noProof="0" dirty="0">
-                <a:ln>
-                  <a:noFill/>
-                </a:ln>
-                <a:solidFill>
-                  <a:srgbClr val="127274"/>
-                </a:solidFill>
-                <a:effectLst/>
-                <a:uLnTx/>
-                <a:uFillTx/>
-                <a:latin typeface="Calibri Light" panose="020F0302020204030204" pitchFamily="34" charset="0"/>
-                <a:ea typeface="Calibri Light" panose="020F0302020204030204" pitchFamily="34" charset="0"/>
-                <a:cs typeface="Calibri Light" panose="020F0302020204030204" pitchFamily="34" charset="0"/>
-              </a:rPr>
-              <a:t> upon those who were abased in the land, </a:t>
+              <a:t>And We desired to show favor upon those who were abased in the land, </a:t>
             </a:r>
           </a:p>
           <a:p>
@@ -39527,7 +39255,7 @@
                 <a:ea typeface="Calibri Light" panose="020F0302020204030204" pitchFamily="34" charset="0"/>
                 <a:cs typeface="Calibri Light" panose="020F0302020204030204" pitchFamily="34" charset="0"/>
               </a:rPr>
-              <a:t> : 5)</a:t>
+              <a:t>: 5)</a:t>
             </a:r>
             <a:endParaRPr kumimoji="0" lang="en-CA" sz="1200" b="0" i="1" u="none" strike="noStrike" kern="1200" cap="none" spc="0" normalizeH="0" baseline="0" noProof="0" dirty="0">
               <a:ln>
@@ -49160,19 +48888,7 @@
               <a:rPr lang="en-US" kern="1200" dirty="0">
                 <a:ea typeface="MS Mincho" pitchFamily="49" charset="-128"/>
               </a:rPr>
-              <a:t>Who is the Owner of glory, might, </a:t>
-            </a:r>
-            <a:r>
-              <a:rPr lang="en-US" kern="1200" dirty="0" err="1">
-                <a:ea typeface="MS Mincho" pitchFamily="49" charset="-128"/>
-              </a:rPr>
-              <a:t>favours</a:t>
-            </a:r>
-            <a:r>
-              <a:rPr lang="en-US" kern="1200" dirty="0">
-                <a:ea typeface="MS Mincho" pitchFamily="49" charset="-128"/>
-              </a:rPr>
-              <a:t>, and bounties,</a:t>
+              <a:t>Who is the Owner of glory, might, favors, and bounties,</a:t>
             </a:r>
           </a:p>
         </p:txBody>
